--- a/Presentation/Salary Prediction Cleaning.pptx
+++ b/Presentation/Salary Prediction Cleaning.pptx
@@ -272,7 +272,7 @@
           <a:p>
             <a:fld id="{28EF599A-D8BF-46D7-A409-1611A7E34379}" type="datetimeFigureOut">
               <a:rPr lang="en-US" smtClean="0"/>
-              <a:t>10/26/2021</a:t>
+              <a:t>11/6/2021</a:t>
             </a:fld>
             <a:endParaRPr lang="en-US"/>
           </a:p>
@@ -470,7 +470,7 @@
           <a:p>
             <a:fld id="{28EF599A-D8BF-46D7-A409-1611A7E34379}" type="datetimeFigureOut">
               <a:rPr lang="en-US" smtClean="0"/>
-              <a:t>10/26/2021</a:t>
+              <a:t>11/6/2021</a:t>
             </a:fld>
             <a:endParaRPr lang="en-US"/>
           </a:p>
@@ -678,7 +678,7 @@
           <a:p>
             <a:fld id="{28EF599A-D8BF-46D7-A409-1611A7E34379}" type="datetimeFigureOut">
               <a:rPr lang="en-US" smtClean="0"/>
-              <a:t>10/26/2021</a:t>
+              <a:t>11/6/2021</a:t>
             </a:fld>
             <a:endParaRPr lang="en-US"/>
           </a:p>
@@ -876,7 +876,7 @@
           <a:p>
             <a:fld id="{28EF599A-D8BF-46D7-A409-1611A7E34379}" type="datetimeFigureOut">
               <a:rPr lang="en-US" smtClean="0"/>
-              <a:t>10/26/2021</a:t>
+              <a:t>11/6/2021</a:t>
             </a:fld>
             <a:endParaRPr lang="en-US"/>
           </a:p>
@@ -1151,7 +1151,7 @@
           <a:p>
             <a:fld id="{28EF599A-D8BF-46D7-A409-1611A7E34379}" type="datetimeFigureOut">
               <a:rPr lang="en-US" smtClean="0"/>
-              <a:t>10/26/2021</a:t>
+              <a:t>11/6/2021</a:t>
             </a:fld>
             <a:endParaRPr lang="en-US"/>
           </a:p>
@@ -1416,7 +1416,7 @@
           <a:p>
             <a:fld id="{28EF599A-D8BF-46D7-A409-1611A7E34379}" type="datetimeFigureOut">
               <a:rPr lang="en-US" smtClean="0"/>
-              <a:t>10/26/2021</a:t>
+              <a:t>11/6/2021</a:t>
             </a:fld>
             <a:endParaRPr lang="en-US"/>
           </a:p>
@@ -1828,7 +1828,7 @@
           <a:p>
             <a:fld id="{28EF599A-D8BF-46D7-A409-1611A7E34379}" type="datetimeFigureOut">
               <a:rPr lang="en-US" smtClean="0"/>
-              <a:t>10/26/2021</a:t>
+              <a:t>11/6/2021</a:t>
             </a:fld>
             <a:endParaRPr lang="en-US"/>
           </a:p>
@@ -1969,7 +1969,7 @@
           <a:p>
             <a:fld id="{28EF599A-D8BF-46D7-A409-1611A7E34379}" type="datetimeFigureOut">
               <a:rPr lang="en-US" smtClean="0"/>
-              <a:t>10/26/2021</a:t>
+              <a:t>11/6/2021</a:t>
             </a:fld>
             <a:endParaRPr lang="en-US"/>
           </a:p>
@@ -2082,7 +2082,7 @@
           <a:p>
             <a:fld id="{28EF599A-D8BF-46D7-A409-1611A7E34379}" type="datetimeFigureOut">
               <a:rPr lang="en-US" smtClean="0"/>
-              <a:t>10/26/2021</a:t>
+              <a:t>11/6/2021</a:t>
             </a:fld>
             <a:endParaRPr lang="en-US"/>
           </a:p>
@@ -2393,7 +2393,7 @@
           <a:p>
             <a:fld id="{28EF599A-D8BF-46D7-A409-1611A7E34379}" type="datetimeFigureOut">
               <a:rPr lang="en-US" smtClean="0"/>
-              <a:t>10/26/2021</a:t>
+              <a:t>11/6/2021</a:t>
             </a:fld>
             <a:endParaRPr lang="en-US"/>
           </a:p>
@@ -2681,7 +2681,7 @@
           <a:p>
             <a:fld id="{28EF599A-D8BF-46D7-A409-1611A7E34379}" type="datetimeFigureOut">
               <a:rPr lang="en-US" smtClean="0"/>
-              <a:t>10/26/2021</a:t>
+              <a:t>11/6/2021</a:t>
             </a:fld>
             <a:endParaRPr lang="en-US"/>
           </a:p>
@@ -2922,7 +2922,7 @@
           <a:p>
             <a:fld id="{28EF599A-D8BF-46D7-A409-1611A7E34379}" type="datetimeFigureOut">
               <a:rPr lang="en-US" smtClean="0"/>
-              <a:t>10/26/2021</a:t>
+              <a:t>11/6/2021</a:t>
             </a:fld>
             <a:endParaRPr lang="en-US"/>
           </a:p>
@@ -3476,7 +3476,7 @@
         <p:spPr>
           <a:xfrm>
             <a:off x="973123" y="4217437"/>
-            <a:ext cx="10428885" cy="2308324"/>
+            <a:ext cx="10428885" cy="2031325"/>
           </a:xfrm>
           <a:prstGeom prst="rect">
             <a:avLst/>
@@ -3489,9 +3489,38 @@
           </a:bodyPr>
           <a:lstStyle/>
           <a:p>
+            <a:pPr marL="285750" indent="-285750">
+              <a:buFont typeface="Arial" panose="020B0604020202020204" pitchFamily="34" charset="0"/>
+              <a:buChar char="•"/>
+            </a:pPr>
             <a:r>
               <a:rPr lang="en-US" dirty="0"/>
-              <a:t>After handling all the missing values looking at the describe() of the dataset there were two inconsistencies that stood out. One was that </a:t>
+              <a:t>Two inconsistencies that stand out are Base Salary min is 0, And a major outlier within Years at company.</a:t>
+            </a:r>
+          </a:p>
+          <a:p>
+            <a:pPr marL="285750" indent="-285750">
+              <a:buFont typeface="Arial" panose="020B0604020202020204" pitchFamily="34" charset="0"/>
+              <a:buChar char="•"/>
+            </a:pPr>
+            <a:endParaRPr lang="en-US" dirty="0"/>
+          </a:p>
+          <a:p>
+            <a:pPr marL="285750" indent="-285750">
+              <a:buFont typeface="Arial" panose="020B0604020202020204" pitchFamily="34" charset="0"/>
+              <a:buChar char="•"/>
+            </a:pPr>
+            <a:r>
+              <a:rPr lang="en-US" dirty="0"/>
+              <a:t>Since just the </a:t>
+            </a:r>
+            <a:r>
+              <a:rPr lang="en-US" dirty="0" err="1"/>
+              <a:t>totalyearlycompensation</a:t>
+            </a:r>
+            <a:r>
+              <a:rPr lang="en-US" dirty="0"/>
+              <a:t> would cover the </a:t>
             </a:r>
             <a:r>
               <a:rPr lang="en-US" dirty="0" err="1"/>
@@ -3499,99 +3528,33 @@
             </a:r>
             <a:r>
               <a:rPr lang="en-US" dirty="0"/>
-              <a:t> was a min of 0. T</a:t>
-            </a:r>
-            <a:r>
-              <a:rPr lang="en-US" b="0" dirty="0">
-                <a:effectLst/>
-              </a:rPr>
-              <a:t>his could be due to several things such as unpaid internships etc. However, there is a bonus and </a:t>
-            </a:r>
-            <a:r>
-              <a:rPr lang="en-US" b="0" dirty="0" err="1">
-                <a:effectLst/>
-              </a:rPr>
-              <a:t>totalyearlycompensation</a:t>
-            </a:r>
-            <a:r>
-              <a:rPr lang="en-US" b="0" dirty="0">
-                <a:effectLst/>
-              </a:rPr>
-              <a:t> columns. Since just the </a:t>
-            </a:r>
-            <a:r>
-              <a:rPr lang="en-US" b="0" dirty="0" err="1">
-                <a:effectLst/>
-              </a:rPr>
-              <a:t>totalyearlycompensation</a:t>
-            </a:r>
-            <a:r>
-              <a:rPr lang="en-US" b="0" dirty="0">
-                <a:effectLst/>
-              </a:rPr>
-              <a:t> would cover the </a:t>
-            </a:r>
-            <a:r>
-              <a:rPr lang="en-US" b="0" dirty="0" err="1">
-                <a:effectLst/>
-              </a:rPr>
-              <a:t>basesalary</a:t>
-            </a:r>
-            <a:r>
-              <a:rPr lang="en-US" b="0" dirty="0">
-                <a:effectLst/>
-              </a:rPr>
               <a:t> alone we can drop the </a:t>
             </a:r>
             <a:r>
-              <a:rPr lang="en-US" b="0" dirty="0" err="1">
-                <a:effectLst/>
-              </a:rPr>
+              <a:rPr lang="en-US" dirty="0" err="1"/>
               <a:t>baseSalary</a:t>
             </a:r>
             <a:r>
-              <a:rPr lang="en-US" b="0" dirty="0">
-                <a:effectLst/>
-              </a:rPr>
-              <a:t> column. The second inconsistency was a major outlier in </a:t>
-            </a:r>
-            <a:r>
-              <a:rPr lang="en-US" b="0" dirty="0" err="1">
-                <a:effectLst/>
-              </a:rPr>
-              <a:t>yearsofexperience</a:t>
-            </a:r>
-            <a:r>
-              <a:rPr lang="en-US" b="0" dirty="0">
-                <a:effectLst/>
-              </a:rPr>
-              <a:t> and </a:t>
-            </a:r>
-            <a:r>
-              <a:rPr lang="en-US" b="0" dirty="0" err="1">
-                <a:effectLst/>
-              </a:rPr>
-              <a:t>yearsatcompany</a:t>
-            </a:r>
-            <a:r>
-              <a:rPr lang="en-US" b="0" dirty="0">
-                <a:effectLst/>
-              </a:rPr>
-              <a:t> of 69. Now this could be true since its only one row. However, its very unlikely that someone would stay at the same job for 69 years. </a:t>
-            </a:r>
-            <a:r>
               <a:rPr lang="en-US" dirty="0"/>
-              <a:t>I</a:t>
-            </a:r>
-            <a:r>
-              <a:rPr lang="en-US" b="0" dirty="0">
-                <a:effectLst/>
-              </a:rPr>
-              <a:t> dropped this row to not skew any of our data later.</a:t>
-            </a:r>
-          </a:p>
-          <a:p>
+              <a:t> column.</a:t>
+            </a:r>
+          </a:p>
+          <a:p>
+            <a:pPr marL="285750" indent="-285750">
+              <a:buFont typeface="Arial" panose="020B0604020202020204" pitchFamily="34" charset="0"/>
+              <a:buChar char="•"/>
+            </a:pPr>
             <a:endParaRPr lang="en-US" dirty="0"/>
+          </a:p>
+          <a:p>
+            <a:pPr marL="285750" indent="-285750">
+              <a:buFont typeface="Arial" panose="020B0604020202020204" pitchFamily="34" charset="0"/>
+              <a:buChar char="•"/>
+            </a:pPr>
+            <a:r>
+              <a:rPr lang="en-US" dirty="0"/>
+              <a:t>It’s very unlikely that someone would stay at the same job for 69 years. I dropped this row to not skew any of our data later</a:t>
+            </a:r>
           </a:p>
         </p:txBody>
       </p:sp>
@@ -3689,61 +3652,92 @@
           </a:bodyPr>
           <a:lstStyle/>
           <a:p>
+            <a:pPr marL="285750" indent="-285750">
+              <a:buFont typeface="Arial" panose="020B0604020202020204" pitchFamily="34" charset="0"/>
+              <a:buChar char="•"/>
+            </a:pPr>
             <a:r>
               <a:rPr lang="en-US" dirty="0"/>
-              <a:t>While it was nice to have columns pre </a:t>
+              <a:t>Since we have pre-</a:t>
             </a:r>
             <a:r>
               <a:rPr lang="en-US" dirty="0" err="1"/>
-              <a:t>ohe</a:t>
+              <a:t>Ohe</a:t>
             </a:r>
             <a:r>
               <a:rPr lang="en-US" dirty="0"/>
-              <a:t> its still good to check them for issues. One that I did find for both sets the school and race columns was there are missing values. They might not be </a:t>
-            </a:r>
-            <a:r>
-              <a:rPr lang="en-US" dirty="0" err="1"/>
-              <a:t>be</a:t>
-            </a:r>
-            <a:r>
-              <a:rPr lang="en-US" dirty="0"/>
-              <a:t> </a:t>
-            </a:r>
-            <a:r>
-              <a:rPr lang="en-US" dirty="0" err="1"/>
-              <a:t>NaN</a:t>
-            </a:r>
-            <a:r>
-              <a:rPr lang="en-US" dirty="0"/>
-              <a:t> but they were when a all values in the row were specifying a 0. I</a:t>
-            </a:r>
+              <a:t> columns I checked these for any missing values (all columns being 0)</a:t>
+            </a:r>
+          </a:p>
+          <a:p>
+            <a:pPr marL="285750" indent="-285750">
+              <a:buFont typeface="Arial" panose="020B0604020202020204" pitchFamily="34" charset="0"/>
+              <a:buChar char="•"/>
+            </a:pPr>
+            <a:endParaRPr lang="en-US" b="0" dirty="0">
+              <a:effectLst/>
+            </a:endParaRPr>
+          </a:p>
+          <a:p>
+            <a:pPr marL="285750" indent="-285750">
+              <a:buFont typeface="Arial" panose="020B0604020202020204" pitchFamily="34" charset="0"/>
+              <a:buChar char="•"/>
+            </a:pPr>
             <a:r>
               <a:rPr lang="en-US" b="0" dirty="0">
                 <a:effectLst/>
               </a:rPr>
-              <a:t>n order to check this I added up all the 1s for each column and subtract that from the total amount of rows. </a:t>
+              <a:t>After adding up all the rows </a:t>
             </a:r>
             <a:r>
               <a:rPr lang="en-US" dirty="0"/>
-              <a:t>This showed that for both sets race and schooling more than half are missing for both. </a:t>
-            </a:r>
-            <a:r>
-              <a:rPr lang="en-US" b="0" dirty="0">
-                <a:effectLst/>
-              </a:rPr>
-              <a:t>Dropping these columns doesn’t change much with a base KNN model ran in a test with all columns the run time took 6 minutes and gave a score of Training:  0.852341136615955   Testing: 0.7662578155179134</a:t>
-            </a:r>
+              <a:t>that didn’t contain a 1. This showed that more than half of the data for both school and race were missing.</a:t>
+            </a:r>
+          </a:p>
+          <a:p>
+            <a:pPr marL="285750" indent="-285750">
+              <a:buFont typeface="Arial" panose="020B0604020202020204" pitchFamily="34" charset="0"/>
+              <a:buChar char="•"/>
+            </a:pPr>
+            <a:endParaRPr lang="en-US" b="0" dirty="0">
+              <a:effectLst/>
+            </a:endParaRPr>
+          </a:p>
+          <a:p>
+            <a:pPr marL="285750" indent="-285750">
+              <a:buFont typeface="Arial" panose="020B0604020202020204" pitchFamily="34" charset="0"/>
+              <a:buChar char="•"/>
+            </a:pPr>
             <a:r>
               <a:rPr lang="en-US" dirty="0"/>
-              <a:t>. after dropping both sets of </a:t>
+              <a:t>a base KNN model ran in a test with all columns the run time took 6 minutes and gave a score of Training:  0.852341136615955   Testing: 0.7662578155179134.</a:t>
+            </a:r>
+          </a:p>
+          <a:p>
+            <a:pPr marL="285750" indent="-285750">
+              <a:buFont typeface="Arial" panose="020B0604020202020204" pitchFamily="34" charset="0"/>
+              <a:buChar char="•"/>
+            </a:pPr>
+            <a:endParaRPr lang="en-US" b="0" dirty="0">
+              <a:effectLst/>
+            </a:endParaRPr>
+          </a:p>
+          <a:p>
+            <a:pPr marL="285750" indent="-285750">
+              <a:buFont typeface="Arial" panose="020B0604020202020204" pitchFamily="34" charset="0"/>
+              <a:buChar char="•"/>
+            </a:pPr>
+            <a:r>
+              <a:rPr lang="en-US" dirty="0"/>
+              <a:t>With all the pre-</a:t>
             </a:r>
             <a:r>
               <a:rPr lang="en-US" dirty="0" err="1"/>
-              <a:t>Ohe</a:t>
+              <a:t>ohe</a:t>
             </a:r>
             <a:r>
               <a:rPr lang="en-US" dirty="0"/>
-              <a:t> columns this improved the runtime tremendously down to 56 seconds still not great but there are other ways to fix this. Also, with dropping the columns even improved the models scores with the training going up to 0.86 and test going up to 0.78 .</a:t>
+              <a:t> dropped the scores increased to a train: 0.86 and test: 0.78 and only took 56 seconds.</a:t>
             </a:r>
             <a:endParaRPr lang="en-US" b="0" dirty="0">
               <a:effectLst/>
@@ -4017,7 +4011,7 @@
           <a:p>
             <a:r>
               <a:rPr lang="en-US" dirty="0"/>
-              <a:t>While the country and title columns are nice to have for data visualizations, they increase the run times for models since it would have to one hot encode each of the 80 countries and each job title for the machine learning preparations these were dropped.</a:t>
+              <a:t>While the country and title columns are nice to have for data visualizations. They increased the run times for models since it would have to one hot encode each of the 80 countries, and each job title. So, for the machine learning preparations these were dropped.</a:t>
             </a:r>
           </a:p>
         </p:txBody>
@@ -4241,7 +4235,7 @@
         <p:spPr>
           <a:xfrm>
             <a:off x="569167" y="1101012"/>
-            <a:ext cx="4320074" cy="4247317"/>
+            <a:ext cx="4320074" cy="4524315"/>
           </a:xfrm>
           <a:prstGeom prst="rect">
             <a:avLst/>
@@ -4254,9 +4248,64 @@
           </a:bodyPr>
           <a:lstStyle/>
           <a:p>
+            <a:pPr marL="285750" indent="-285750">
+              <a:buFont typeface="Arial" panose="020B0604020202020204" pitchFamily="34" charset="0"/>
+              <a:buChar char="•"/>
+            </a:pPr>
             <a:r>
               <a:rPr lang="en-US" dirty="0"/>
-              <a:t>Looking at the base data there were some columns that aren’t really needed for the task at hand. Timestamp was dropped as I won't be doing any time tracking for visualizations, and this will be useless for predictions. The tag column had a lot of missing values and trying to replace wouldn’t add any value to our predictions. The race and Education columns were dropped since they both had a lot of null values and already had correlated one hot encoded columns within the dataset. </a:t>
+              <a:t>Timestamp was dropped as I won't be using time for visualizations, and it’s not needed for predictions. </a:t>
+            </a:r>
+          </a:p>
+          <a:p>
+            <a:pPr marL="285750" indent="-285750">
+              <a:buFont typeface="Arial" panose="020B0604020202020204" pitchFamily="34" charset="0"/>
+              <a:buChar char="•"/>
+            </a:pPr>
+            <a:endParaRPr lang="en-US" dirty="0"/>
+          </a:p>
+          <a:p>
+            <a:pPr marL="285750" indent="-285750">
+              <a:buFont typeface="Arial" panose="020B0604020202020204" pitchFamily="34" charset="0"/>
+              <a:buChar char="•"/>
+            </a:pPr>
+            <a:r>
+              <a:rPr lang="en-US" dirty="0"/>
+              <a:t>The tag column had a lot of missing values and  didn’t add any value to our predictions.</a:t>
+            </a:r>
+          </a:p>
+          <a:p>
+            <a:pPr marL="285750" indent="-285750">
+              <a:buFont typeface="Arial" panose="020B0604020202020204" pitchFamily="34" charset="0"/>
+              <a:buChar char="•"/>
+            </a:pPr>
+            <a:endParaRPr lang="en-US" dirty="0"/>
+          </a:p>
+          <a:p>
+            <a:pPr marL="285750" indent="-285750">
+              <a:buFont typeface="Arial" panose="020B0604020202020204" pitchFamily="34" charset="0"/>
+              <a:buChar char="•"/>
+            </a:pPr>
+            <a:r>
+              <a:rPr lang="en-US" dirty="0"/>
+              <a:t> The race and education columns had a lot of null values and there are other correlated one hot encoded columns within the dataset.</a:t>
+            </a:r>
+          </a:p>
+          <a:p>
+            <a:pPr marL="285750" indent="-285750">
+              <a:buFont typeface="Arial" panose="020B0604020202020204" pitchFamily="34" charset="0"/>
+              <a:buChar char="•"/>
+            </a:pPr>
+            <a:endParaRPr lang="en-US" dirty="0"/>
+          </a:p>
+          <a:p>
+            <a:pPr marL="285750" indent="-285750">
+              <a:buFont typeface="Arial" panose="020B0604020202020204" pitchFamily="34" charset="0"/>
+              <a:buChar char="•"/>
+            </a:pPr>
+            <a:r>
+              <a:rPr lang="en-US" dirty="0"/>
+              <a:t> </a:t>
             </a:r>
             <a:r>
               <a:rPr lang="en-US" dirty="0" err="1"/>
@@ -4458,8 +4507,8 @@
         </p:nvSpPr>
         <p:spPr>
           <a:xfrm>
-            <a:off x="1763485" y="4572000"/>
-            <a:ext cx="8649477" cy="2031325"/>
+            <a:off x="3911066" y="4295163"/>
+            <a:ext cx="8649477" cy="369332"/>
           </a:xfrm>
           <a:prstGeom prst="rect">
             <a:avLst/>
@@ -4472,26 +4521,58 @@
           </a:bodyPr>
           <a:lstStyle/>
           <a:p>
+            <a:pPr marL="285750" indent="-285750">
+              <a:buFont typeface="Arial" panose="020B0604020202020204" pitchFamily="34" charset="0"/>
+              <a:buChar char="•"/>
+            </a:pPr>
             <a:r>
               <a:rPr lang="en-US" dirty="0"/>
-              <a:t>Looking at the company column at first it was just 5 missing data points. However, after looking deeper into the data within the column I seen there were 1632 different companies and this would be very difficult to determine how to handle these missing values. After comparing different ways to combat this my final choice was to compare all the data based on FAANG companies (Facebook, Amazon, Apple, Netflix, Google) vs non </a:t>
+              <a:t>5 Missing Values in Company column</a:t>
+            </a:r>
+          </a:p>
+        </p:txBody>
+      </p:sp>
+      <p:sp>
+        <p:nvSpPr>
+          <p:cNvPr id="2" name="TextBox 1">
+            <a:extLst>
+              <a:ext uri="{FF2B5EF4-FFF2-40B4-BE49-F238E27FC236}">
+                <a16:creationId xmlns:a16="http://schemas.microsoft.com/office/drawing/2014/main" id="{9D8677FD-DEBE-4021-827A-126BDAE73446}"/>
+              </a:ext>
+            </a:extLst>
+          </p:cNvPr>
+          <p:cNvSpPr txBox="1"/>
+          <p:nvPr/>
+        </p:nvSpPr>
+        <p:spPr>
+          <a:xfrm>
+            <a:off x="1981507" y="4899171"/>
+            <a:ext cx="8362119" cy="646331"/>
+          </a:xfrm>
+          <a:prstGeom prst="rect">
+            <a:avLst/>
+          </a:prstGeom>
+          <a:noFill/>
+        </p:spPr>
+        <p:txBody>
+          <a:bodyPr wrap="square" rtlCol="0">
+            <a:spAutoFit/>
+          </a:bodyPr>
+          <a:lstStyle/>
+          <a:p>
+            <a:pPr marL="285750" indent="-285750">
+              <a:buFont typeface="Arial" panose="020B0604020202020204" pitchFamily="34" charset="0"/>
+              <a:buChar char="•"/>
+            </a:pPr>
+            <a:r>
+              <a:rPr lang="en-US" dirty="0"/>
+              <a:t>Since there are 1632 different companies, I changed all companies within FAANG to FAANG and others to </a:t>
             </a:r>
             <a:r>
               <a:rPr lang="en-US" dirty="0" err="1"/>
-              <a:t>faang</a:t>
-            </a:r>
-            <a:r>
-              <a:rPr lang="en-US" dirty="0"/>
-              <a:t> companies. This was done by renaming all the FAANG companies to FAANG and the others to </a:t>
-            </a:r>
-            <a:r>
-              <a:rPr lang="en-US" dirty="0" err="1"/>
-              <a:t>non_FAANG</a:t>
-            </a:r>
-            <a:r>
-              <a:rPr lang="en-US" dirty="0"/>
-              <a:t>.</a:t>
-            </a:r>
+              <a:t>not_FAANG</a:t>
+            </a:r>
+            <a:endParaRPr lang="en-US" dirty="0"/>
           </a:p>
         </p:txBody>
       </p:sp>
@@ -4554,7 +4635,7 @@
         <p:spPr>
           <a:xfrm>
             <a:off x="1303934" y="-1"/>
-            <a:ext cx="9584132" cy="2668554"/>
+            <a:ext cx="9584132" cy="2852258"/>
           </a:xfrm>
           <a:prstGeom prst="rect">
             <a:avLst/>
@@ -4563,10 +4644,10 @@
       </p:pic>
       <p:sp>
         <p:nvSpPr>
-          <p:cNvPr id="7" name="TextBox 6">
-            <a:extLst>
-              <a:ext uri="{FF2B5EF4-FFF2-40B4-BE49-F238E27FC236}">
-                <a16:creationId xmlns:a16="http://schemas.microsoft.com/office/drawing/2014/main" id="{DCC3D95F-4A03-4E90-92D0-361BE5B66469}"/>
+          <p:cNvPr id="2" name="TextBox 1">
+            <a:extLst>
+              <a:ext uri="{FF2B5EF4-FFF2-40B4-BE49-F238E27FC236}">
+                <a16:creationId xmlns:a16="http://schemas.microsoft.com/office/drawing/2014/main" id="{53FCD232-A4D5-46D0-ABE2-B875217F5316}"/>
               </a:ext>
             </a:extLst>
           </p:cNvPr>
@@ -4575,8 +4656,8 @@
         </p:nvSpPr>
         <p:spPr>
           <a:xfrm>
-            <a:off x="1259633" y="3429000"/>
-            <a:ext cx="9787812" cy="1200329"/>
+            <a:off x="1568741" y="3429000"/>
+            <a:ext cx="8967831" cy="1754326"/>
           </a:xfrm>
           <a:prstGeom prst="rect">
             <a:avLst/>
@@ -4589,21 +4670,47 @@
           </a:bodyPr>
           <a:lstStyle/>
           <a:p>
-            <a:r>
-              <a:rPr lang="en-US" b="0" dirty="0">
-                <a:effectLst/>
-              </a:rPr>
-              <a:t>There is a significant amount of missing values in the gender column this might be due to these workers not wanting to share that information, so I thought it was best to be filled with 'unknown’ rather than assuming. </a:t>
-            </a:r>
+            <a:pPr marL="285750" indent="-285750">
+              <a:buFont typeface="Arial" panose="020B0604020202020204" pitchFamily="34" charset="0"/>
+              <a:buChar char="•"/>
+            </a:pPr>
             <a:r>
               <a:rPr lang="en-US" dirty="0"/>
-              <a:t>Also,</a:t>
-            </a:r>
-            <a:r>
-              <a:rPr lang="en-US" b="0" dirty="0">
-                <a:effectLst/>
-              </a:rPr>
-              <a:t> there is one lingering 'Title: Senior Software Engineer' so that was also changed to 'unknown’.</a:t>
+              <a:t>Missing values within gender column most likely are due to workers not wanting to share that information or other unknown reasons</a:t>
+            </a:r>
+          </a:p>
+          <a:p>
+            <a:pPr marL="285750" indent="-285750">
+              <a:buFont typeface="Arial" panose="020B0604020202020204" pitchFamily="34" charset="0"/>
+              <a:buChar char="•"/>
+            </a:pPr>
+            <a:endParaRPr lang="en-US" dirty="0"/>
+          </a:p>
+          <a:p>
+            <a:pPr marL="285750" indent="-285750">
+              <a:buFont typeface="Arial" panose="020B0604020202020204" pitchFamily="34" charset="0"/>
+              <a:buChar char="•"/>
+            </a:pPr>
+            <a:r>
+              <a:rPr lang="en-US" dirty="0"/>
+              <a:t>Filled all missing values with “unknown”</a:t>
+            </a:r>
+          </a:p>
+          <a:p>
+            <a:pPr marL="285750" indent="-285750">
+              <a:buFont typeface="Arial" panose="020B0604020202020204" pitchFamily="34" charset="0"/>
+              <a:buChar char="•"/>
+            </a:pPr>
+            <a:endParaRPr lang="en-US" dirty="0"/>
+          </a:p>
+          <a:p>
+            <a:pPr marL="285750" indent="-285750">
+              <a:buFont typeface="Arial" panose="020B0604020202020204" pitchFamily="34" charset="0"/>
+              <a:buChar char="•"/>
+            </a:pPr>
+            <a:r>
+              <a:rPr lang="en-US" dirty="0"/>
+              <a:t>Replaced other inconsistencies within the column</a:t>
             </a:r>
           </a:p>
         </p:txBody>
@@ -4688,7 +4795,7 @@
         <p:spPr>
           <a:xfrm>
             <a:off x="1492898" y="3806890"/>
-            <a:ext cx="9470571" cy="923330"/>
+            <a:ext cx="9470571" cy="1200329"/>
           </a:xfrm>
           <a:prstGeom prst="rect">
             <a:avLst/>
@@ -4701,9 +4808,23 @@
           </a:bodyPr>
           <a:lstStyle/>
           <a:p>
+            <a:pPr marL="285750" indent="-285750">
+              <a:buFont typeface="Arial" panose="020B0604020202020204" pitchFamily="34" charset="0"/>
+              <a:buChar char="•"/>
+            </a:pPr>
             <a:r>
               <a:rPr lang="en-US" dirty="0"/>
-              <a:t>With the levels column this was focused on trying to specify a worker's job position or ‘level’ at the company. There was however other columns within the data set that told a similar or same story/idea. So, to limit the redundancy this column was dropped. </a:t>
+              <a:t>levels column this was focused on trying to specify a worker's job position or ‘level’ at the company. </a:t>
+            </a:r>
+          </a:p>
+          <a:p>
+            <a:pPr marL="285750" indent="-285750">
+              <a:buFont typeface="Arial" panose="020B0604020202020204" pitchFamily="34" charset="0"/>
+              <a:buChar char="•"/>
+            </a:pPr>
+            <a:r>
+              <a:rPr lang="en-US" dirty="0"/>
+              <a:t>There are other columns within the data set that relay a similar or same story/idea. So, to limit the redundancy this column was dropped. </a:t>
             </a:r>
           </a:p>
         </p:txBody>
@@ -4776,10 +4897,10 @@
       </p:pic>
       <p:sp>
         <p:nvSpPr>
-          <p:cNvPr id="6" name="TextBox 5">
-            <a:extLst>
-              <a:ext uri="{FF2B5EF4-FFF2-40B4-BE49-F238E27FC236}">
-                <a16:creationId xmlns:a16="http://schemas.microsoft.com/office/drawing/2014/main" id="{2D43BE34-8AE7-4466-BFD8-85117ADE60F3}"/>
+          <p:cNvPr id="2" name="TextBox 1">
+            <a:extLst>
+              <a:ext uri="{FF2B5EF4-FFF2-40B4-BE49-F238E27FC236}">
+                <a16:creationId xmlns:a16="http://schemas.microsoft.com/office/drawing/2014/main" id="{14857B62-CA3D-4C51-BB32-9034B1B2FBA6}"/>
               </a:ext>
             </a:extLst>
           </p:cNvPr>
@@ -4788,8 +4909,8 @@
         </p:nvSpPr>
         <p:spPr>
           <a:xfrm>
-            <a:off x="1719942" y="4478693"/>
-            <a:ext cx="8752115" cy="2308324"/>
+            <a:off x="1669409" y="4446165"/>
+            <a:ext cx="8732940" cy="1477328"/>
           </a:xfrm>
           <a:prstGeom prst="rect">
             <a:avLst/>
@@ -4802,25 +4923,55 @@
           </a:bodyPr>
           <a:lstStyle/>
           <a:p>
+            <a:pPr marL="285750" indent="-285750">
+              <a:buFont typeface="Arial" panose="020B0604020202020204" pitchFamily="34" charset="0"/>
+              <a:buChar char="•"/>
+            </a:pPr>
             <a:r>
               <a:rPr lang="en-US" dirty="0"/>
-              <a:t>With in the location column the states were specified with City State, but other countries were just listed as their country. So, with reverse indexing you could obtain the country and for any united states that weren’t specified with 3 values it would just give the state abbreviation. After making that new column and using a lambda function to specify if the value within the new column was of the </a:t>
+              <a:t>Split country column values by the last value to get the countries</a:t>
+            </a:r>
+          </a:p>
+          <a:p>
+            <a:pPr marL="285750" indent="-285750">
+              <a:buFont typeface="Arial" panose="020B0604020202020204" pitchFamily="34" charset="0"/>
+              <a:buChar char="•"/>
+            </a:pPr>
+            <a:endParaRPr lang="en-US" dirty="0"/>
+          </a:p>
+          <a:p>
+            <a:pPr marL="285750" indent="-285750">
+              <a:buFont typeface="Arial" panose="020B0604020202020204" pitchFamily="34" charset="0"/>
+              <a:buChar char="•"/>
+            </a:pPr>
+            <a:r>
+              <a:rPr lang="en-US" dirty="0"/>
+              <a:t>Fix inconsistent states abv that were listed to be under United States</a:t>
+            </a:r>
+          </a:p>
+          <a:p>
+            <a:pPr marL="285750" indent="-285750">
+              <a:buFont typeface="Arial" panose="020B0604020202020204" pitchFamily="34" charset="0"/>
+              <a:buChar char="•"/>
+            </a:pPr>
+            <a:endParaRPr lang="en-US" dirty="0"/>
+          </a:p>
+          <a:p>
+            <a:pPr marL="285750" indent="-285750">
+              <a:buFont typeface="Arial" panose="020B0604020202020204" pitchFamily="34" charset="0"/>
+              <a:buChar char="•"/>
+            </a:pPr>
+            <a:r>
+              <a:rPr lang="en-US" dirty="0"/>
+              <a:t>Dropped Lactation and </a:t>
             </a:r>
             <a:r>
               <a:rPr lang="en-US" dirty="0" err="1"/>
-              <a:t>len</a:t>
+              <a:t>cityId</a:t>
             </a:r>
             <a:r>
               <a:rPr lang="en-US" dirty="0"/>
-              <a:t> of 2 aka a state abbreviation and to replace it with the str of United States. After all the previous steps this led to having the country column list all different countries within the data. Now that we have this column the location and </a:t>
-            </a:r>
-            <a:r>
-              <a:rPr lang="en-US" dirty="0" err="1"/>
-              <a:t>cityID</a:t>
-            </a:r>
-            <a:r>
-              <a:rPr lang="en-US" dirty="0"/>
-              <a:t> columns are no longer needed and were dropped.</a:t>
+              <a:t> columns as they are no longer needed</a:t>
             </a:r>
           </a:p>
         </p:txBody>
@@ -4906,7 +5057,7 @@
         <p:spPr>
           <a:xfrm>
             <a:off x="1772816" y="4879910"/>
-            <a:ext cx="8985380" cy="923330"/>
+            <a:ext cx="8985380" cy="646331"/>
           </a:xfrm>
           <a:prstGeom prst="rect">
             <a:avLst/>
@@ -4919,25 +5070,13 @@
           </a:bodyPr>
           <a:lstStyle/>
           <a:p>
+            <a:pPr marL="285750" indent="-285750">
+              <a:buFont typeface="Arial" panose="020B0604020202020204" pitchFamily="34" charset="0"/>
+              <a:buChar char="•"/>
+            </a:pPr>
             <a:r>
               <a:rPr lang="en-US" dirty="0"/>
-              <a:t>The final column with a missing value was the </a:t>
-            </a:r>
-            <a:r>
-              <a:rPr lang="en-US" dirty="0" err="1"/>
-              <a:t>dmaid</a:t>
-            </a:r>
-            <a:r>
-              <a:rPr lang="en-US" dirty="0"/>
-              <a:t>. At first, I wasn’t sure of what </a:t>
-            </a:r>
-            <a:r>
-              <a:rPr lang="en-US" dirty="0" err="1"/>
-              <a:t>dmaid</a:t>
-            </a:r>
-            <a:r>
-              <a:rPr lang="en-US" dirty="0"/>
-              <a:t> was so after research I found how others have combatted this within the data and found that they used median to fill the missing values to help with the gap within the hist plot of the column.</a:t>
+              <a:t>After research I found how others have combatted the missing data within this column and found that they used median to fill the missing values to help with the gap in the hist plot.</a:t>
             </a:r>
           </a:p>
         </p:txBody>
